--- a/直播手卡模板.pptx
+++ b/直播手卡模板.pptx
@@ -200,7 +200,7 @@
           <a:p>
             <a:fld id="{C17944FE-0438-41E2-8D35-39AEC793BE2A}" type="datetimeFigureOut">
               <a:rPr lang="zh-CN" altLang="en-US" smtClean="0"/>
-              <a:t>2025/12/10</a:t>
+              <a:t>2025/12/12</a:t>
             </a:fld>
             <a:endParaRPr lang="zh-CN" altLang="en-US"/>
           </a:p>
@@ -684,7 +684,7 @@
           <a:p>
             <a:fld id="{760FBDFE-C587-4B4C-A407-44438C67B59E}" type="datetimeFigureOut">
               <a:rPr lang="zh-CN" altLang="en-US" smtClean="0"/>
-              <a:t>2025/12/10</a:t>
+              <a:t>2025/12/12</a:t>
             </a:fld>
             <a:endParaRPr lang="zh-CN" altLang="en-US"/>
           </a:p>
@@ -774,7 +774,7 @@
           <a:p>
             <a:fld id="{760FBDFE-C587-4B4C-A407-44438C67B59E}" type="datetimeFigureOut">
               <a:rPr lang="zh-CN" altLang="en-US" smtClean="0"/>
-              <a:t>2025/12/10</a:t>
+              <a:t>2025/12/12</a:t>
             </a:fld>
             <a:endParaRPr lang="zh-CN" altLang="en-US"/>
           </a:p>
@@ -920,7 +920,7 @@
           <a:p>
             <a:fld id="{760FBDFE-C587-4B4C-A407-44438C67B59E}" type="datetimeFigureOut">
               <a:rPr lang="zh-CN" altLang="en-US" smtClean="0"/>
-              <a:t>2025/12/10</a:t>
+              <a:t>2025/12/12</a:t>
             </a:fld>
             <a:endParaRPr lang="zh-CN" altLang="en-US"/>
           </a:p>
@@ -1170,7 +1170,7 @@
           <a:p>
             <a:fld id="{760FBDFE-C587-4B4C-A407-44438C67B59E}" type="datetimeFigureOut">
               <a:rPr lang="zh-CN" altLang="en-US" smtClean="0"/>
-              <a:t>2025/12/10</a:t>
+              <a:t>2025/12/12</a:t>
             </a:fld>
             <a:endParaRPr lang="zh-CN" altLang="en-US"/>
           </a:p>
@@ -1415,7 +1415,7 @@
           <a:p>
             <a:fld id="{760FBDFE-C587-4B4C-A407-44438C67B59E}" type="datetimeFigureOut">
               <a:rPr lang="zh-CN" altLang="en-US" smtClean="0"/>
-              <a:t>2025/12/10</a:t>
+              <a:t>2025/12/12</a:t>
             </a:fld>
             <a:endParaRPr lang="zh-CN" altLang="en-US"/>
           </a:p>
@@ -1651,7 +1651,7 @@
           <a:p>
             <a:fld id="{760FBDFE-C587-4B4C-A407-44438C67B59E}" type="datetimeFigureOut">
               <a:rPr lang="zh-CN" altLang="en-US" smtClean="0"/>
-              <a:t>2025/12/10</a:t>
+              <a:t>2025/12/12</a:t>
             </a:fld>
             <a:endParaRPr lang="zh-CN" altLang="en-US"/>
           </a:p>
@@ -2041,7 +2041,7 @@
           <a:p>
             <a:fld id="{760FBDFE-C587-4B4C-A407-44438C67B59E}" type="datetimeFigureOut">
               <a:rPr lang="zh-CN" altLang="en-US" smtClean="0"/>
-              <a:t>2025/12/10</a:t>
+              <a:t>2025/12/12</a:t>
             </a:fld>
             <a:endParaRPr lang="zh-CN" altLang="en-US"/>
           </a:p>
@@ -2161,7 +2161,7 @@
           <a:p>
             <a:fld id="{760FBDFE-C587-4B4C-A407-44438C67B59E}" type="datetimeFigureOut">
               <a:rPr lang="zh-CN" altLang="en-US" smtClean="0"/>
-              <a:t>2025/12/10</a:t>
+              <a:t>2025/12/12</a:t>
             </a:fld>
             <a:endParaRPr lang="zh-CN" altLang="en-US"/>
           </a:p>
@@ -2251,7 +2251,7 @@
           <a:p>
             <a:fld id="{760FBDFE-C587-4B4C-A407-44438C67B59E}" type="datetimeFigureOut">
               <a:rPr lang="zh-CN" altLang="en-US" smtClean="0"/>
-              <a:t>2025/12/10</a:t>
+              <a:t>2025/12/12</a:t>
             </a:fld>
             <a:endParaRPr lang="zh-CN" altLang="en-US"/>
           </a:p>
@@ -2408,7 +2408,7 @@
           <a:p>
             <a:fld id="{9EFD9D74-47D9-4702-A33C-335B63B48DBF}" type="datetimeFigureOut">
               <a:rPr lang="zh-CN" altLang="en-US" smtClean="0"/>
-              <a:t>2025/12/10</a:t>
+              <a:t>2025/12/12</a:t>
             </a:fld>
             <a:endParaRPr lang="zh-CN" altLang="en-US" dirty="0"/>
           </a:p>
@@ -2630,7 +2630,7 @@
           <a:p>
             <a:fld id="{760FBDFE-C587-4B4C-A407-44438C67B59E}" type="datetimeFigureOut">
               <a:rPr lang="zh-CN" altLang="en-US" smtClean="0"/>
-              <a:t>2025/12/10</a:t>
+              <a:t>2025/12/12</a:t>
             </a:fld>
             <a:endParaRPr lang="zh-CN" altLang="en-US"/>
           </a:p>
@@ -2838,7 +2838,7 @@
           <a:p>
             <a:fld id="{760FBDFE-C587-4B4C-A407-44438C67B59E}" type="datetimeFigureOut">
               <a:rPr lang="zh-CN" altLang="en-US" smtClean="0"/>
-              <a:t>2025/12/10</a:t>
+              <a:t>2025/12/12</a:t>
             </a:fld>
             <a:endParaRPr lang="zh-CN" altLang="en-US"/>
           </a:p>
@@ -4088,13 +4088,13 @@
       </p:sp>
       <p:sp>
         <p:nvSpPr>
-          <p:cNvPr id="21" name="圆角矩形 5"/>
+          <p:cNvPr id="22" name="圆角矩形 5"/>
           <p:cNvSpPr/>
           <p:nvPr/>
         </p:nvSpPr>
         <p:spPr bwMode="auto">
           <a:xfrm>
-            <a:off x="4416466" y="2833414"/>
+            <a:off x="8246702" y="2823434"/>
             <a:ext cx="1194987" cy="293595"/>
           </a:xfrm>
           <a:prstGeom prst="roundRect">
@@ -4155,7 +4155,7 @@
                 <a:latin typeface="JingDongLangZhengTi Semilight" panose="02000500000000000000" pitchFamily="2" charset="-122"/>
                 <a:ea typeface="JingDongLangZhengTi Semilight" panose="02000500000000000000" pitchFamily="2" charset="-122"/>
               </a:rPr>
-              <a:t>其他卖点</a:t>
+              <a:t>服务卖点</a:t>
             </a:r>
             <a:endParaRPr lang="zh-CN" sz="1600" dirty="0">
               <a:latin typeface="JingDongLangZhengTi Semilight" panose="02000500000000000000" pitchFamily="2" charset="-122"/>
@@ -4166,27 +4166,25 @@
       </p:sp>
       <p:sp>
         <p:nvSpPr>
-          <p:cNvPr id="22" name="圆角矩形 5"/>
+          <p:cNvPr id="23" name="圆角矩形 22"/>
           <p:cNvSpPr/>
           <p:nvPr/>
         </p:nvSpPr>
         <p:spPr bwMode="auto">
           <a:xfrm>
-            <a:off x="8246702" y="2823434"/>
-            <a:ext cx="1194987" cy="293595"/>
+            <a:off x="4411345" y="2834640"/>
+            <a:ext cx="3759200" cy="3875405"/>
           </a:xfrm>
           <a:prstGeom prst="roundRect">
             <a:avLst>
-              <a:gd name="adj" fmla="val 16667"/>
+              <a:gd name="adj" fmla="val 3492"/>
             </a:avLst>
           </a:prstGeom>
-          <a:solidFill>
-            <a:srgbClr val="C00000"/>
-          </a:solidFill>
-          <a:ln w="12700" cap="flat" cmpd="sng" algn="ctr">
-            <a:noFill/>
-            <a:prstDash val="solid"/>
-            <a:miter lim="800000"/>
+          <a:noFill/>
+          <a:ln>
+            <a:solidFill>
+              <a:srgbClr val="C00000"/>
+            </a:solidFill>
           </a:ln>
         </p:spPr>
         <p:style>
@@ -4209,33 +4207,8 @@
           <a:bodyPr rtlCol="0" anchor="ctr"/>
           <a:lstStyle/>
           <a:p>
-            <a:pPr marL="0" marR="0" indent="0" algn="ctr" defTabSz="914400" rtl="0">
-              <a:lnSpc>
-                <a:spcPct val="100000"/>
-              </a:lnSpc>
-              <a:spcBef>
-                <a:spcPts val="0"/>
-              </a:spcBef>
-              <a:spcAft>
-                <a:spcPts val="0"/>
-              </a:spcAft>
-              <a:defRPr lang="zh-CN" sz="1800" b="0" i="0" u="none" strike="noStrike" cap="none" spc="0">
-                <a:solidFill>
-                  <a:srgbClr val="FFFFFF"/>
-                </a:solidFill>
-                <a:latin typeface="Arial" panose="020B0604020202020204"/>
-                <a:ea typeface="微软雅黑" panose="020B0503020204020204" charset="-122"/>
-                <a:cs typeface="Arial" panose="020B0604020202020204"/>
-              </a:defRPr>
-            </a:pPr>
-            <a:r>
-              <a:rPr lang="zh-CN" altLang="en-US" sz="1600" dirty="0">
-                <a:latin typeface="JingDongLangZhengTi Semilight" panose="02000500000000000000" pitchFamily="2" charset="-122"/>
-                <a:ea typeface="JingDongLangZhengTi Semilight" panose="02000500000000000000" pitchFamily="2" charset="-122"/>
-              </a:rPr>
-              <a:t>服务卖点</a:t>
-            </a:r>
-            <a:endParaRPr lang="zh-CN" sz="1600" dirty="0">
+            <a:pPr algn="ctr"/>
+            <a:endParaRPr lang="zh-CN" altLang="en-US">
               <a:latin typeface="JingDongLangZhengTi Semilight" panose="02000500000000000000" pitchFamily="2" charset="-122"/>
               <a:ea typeface="JingDongLangZhengTi Semilight" panose="02000500000000000000" pitchFamily="2" charset="-122"/>
             </a:endParaRPr>
@@ -4244,14 +4217,14 @@
       </p:sp>
       <p:sp>
         <p:nvSpPr>
-          <p:cNvPr id="23" name="圆角矩形 22"/>
+          <p:cNvPr id="24" name="圆角矩形 23"/>
           <p:cNvSpPr/>
           <p:nvPr/>
         </p:nvSpPr>
         <p:spPr bwMode="auto">
           <a:xfrm>
-            <a:off x="4411345" y="2834640"/>
-            <a:ext cx="3759200" cy="3875405"/>
+            <a:off x="8246702" y="2820713"/>
+            <a:ext cx="3794125" cy="3889332"/>
           </a:xfrm>
           <a:prstGeom prst="roundRect">
             <a:avLst>
@@ -4286,57 +4259,6 @@
           <a:lstStyle/>
           <a:p>
             <a:pPr algn="ctr"/>
-            <a:endParaRPr lang="zh-CN" altLang="en-US">
-              <a:latin typeface="JingDongLangZhengTi Semilight" panose="02000500000000000000" pitchFamily="2" charset="-122"/>
-              <a:ea typeface="JingDongLangZhengTi Semilight" panose="02000500000000000000" pitchFamily="2" charset="-122"/>
-            </a:endParaRPr>
-          </a:p>
-        </p:txBody>
-      </p:sp>
-      <p:sp>
-        <p:nvSpPr>
-          <p:cNvPr id="24" name="圆角矩形 23"/>
-          <p:cNvSpPr/>
-          <p:nvPr/>
-        </p:nvSpPr>
-        <p:spPr bwMode="auto">
-          <a:xfrm>
-            <a:off x="8246702" y="2820713"/>
-            <a:ext cx="3794125" cy="3889332"/>
-          </a:xfrm>
-          <a:prstGeom prst="roundRect">
-            <a:avLst>
-              <a:gd name="adj" fmla="val 3492"/>
-            </a:avLst>
-          </a:prstGeom>
-          <a:noFill/>
-          <a:ln>
-            <a:solidFill>
-              <a:srgbClr val="C00000"/>
-            </a:solidFill>
-          </a:ln>
-        </p:spPr>
-        <p:style>
-          <a:lnRef idx="2">
-            <a:schemeClr val="accent1">
-              <a:shade val="50000"/>
-            </a:schemeClr>
-          </a:lnRef>
-          <a:fillRef idx="1">
-            <a:schemeClr val="accent1"/>
-          </a:fillRef>
-          <a:effectRef idx="0">
-            <a:schemeClr val="accent1"/>
-          </a:effectRef>
-          <a:fontRef idx="minor">
-            <a:schemeClr val="lt1"/>
-          </a:fontRef>
-        </p:style>
-        <p:txBody>
-          <a:bodyPr rtlCol="0" anchor="ctr"/>
-          <a:lstStyle/>
-          <a:p>
-            <a:pPr algn="ctr"/>
             <a:endParaRPr lang="zh-CN">
               <a:latin typeface="JingDongLangZhengTi Semilight"/>
               <a:ea typeface="JingDongLangZhengTi Semilight"/>
@@ -4352,7 +4274,7 @@
         </p:nvSpPr>
         <p:spPr bwMode="auto">
           <a:xfrm>
-            <a:off x="4431786" y="3594163"/>
+            <a:off x="4361561" y="2771619"/>
             <a:ext cx="3576465" cy="567474"/>
           </a:xfrm>
           <a:prstGeom prst="rect">
@@ -4372,7 +4294,7 @@
               </a:lnSpc>
             </a:pPr>
             <a:r>
-              <a:rPr lang="zh-CN" altLang="en-US" b="1" dirty="0">
+              <a:rPr lang="zh-CN" altLang="en-US" sz="1600" b="1" dirty="0">
                 <a:solidFill/>
                 <a:latin typeface="JingDongLangZhengTi Semilight"/>
                 <a:ea typeface="宋体" panose="02010600030101010101" pitchFamily="2" charset="-122"/>
@@ -4381,7 +4303,7 @@
               <a:t>卖点</a:t>
             </a:r>
             <a:r>
-              <a:rPr lang="en-US" altLang="zh-CN" b="1" dirty="0">
+              <a:rPr lang="en-US" altLang="zh-CN" sz="1600" b="1" dirty="0">
                 <a:solidFill/>
                 <a:latin typeface="JingDongLangZhengTi Semilight"/>
                 <a:ea typeface="宋体" panose="02010600030101010101" pitchFamily="2" charset="-122"/>
@@ -4390,7 +4312,7 @@
               <a:t>3</a:t>
             </a:r>
             <a:r>
-              <a:rPr lang="zh-CN" altLang="en-US" sz="1200" dirty="0">
+              <a:rPr lang="zh-CN" altLang="en-US" sz="1600" dirty="0">
                 <a:solidFill/>
                 <a:latin typeface="JingDongLangZhengTi Semilight"/>
                 <a:ea typeface="宋体" panose="02010600030101010101" pitchFamily="2" charset="-122"/>
@@ -4450,7 +4372,7 @@
         </p:nvSpPr>
         <p:spPr>
           <a:xfrm>
-            <a:off x="601344" y="3396734"/>
+            <a:off x="551161" y="2891859"/>
             <a:ext cx="3629467" cy="369332"/>
           </a:xfrm>
           <a:prstGeom prst="rect">
@@ -4465,11 +4387,11 @@
           <a:lstStyle/>
           <a:p>
             <a:r>
-              <a:rPr lang="zh-CN" altLang="en-US" dirty="0"/>
+              <a:rPr lang="zh-CN" altLang="en-US" sz="1600" dirty="0"/>
               <a:t>卖点</a:t>
             </a:r>
             <a:r>
-              <a:rPr lang="en-US" altLang="zh-CN" dirty="0"/>
+              <a:rPr lang="en-US" altLang="zh-CN" sz="1600" dirty="0"/>
               <a:t>1</a:t>
             </a:r>
             <a:r>
@@ -4528,8 +4450,8 @@
         </p:nvSpPr>
         <p:spPr>
           <a:xfrm>
-            <a:off x="507364" y="5159565"/>
-            <a:ext cx="3614160" cy="369332"/>
+            <a:off x="500868" y="5000206"/>
+            <a:ext cx="3614160" cy="338554"/>
           </a:xfrm>
           <a:prstGeom prst="rect">
             <a:avLst/>
@@ -4543,15 +4465,15 @@
           <a:lstStyle/>
           <a:p>
             <a:r>
-              <a:rPr lang="zh-CN" altLang="en-US" dirty="0"/>
+              <a:rPr lang="zh-CN" altLang="en-US" sz="1600" dirty="0"/>
               <a:t>卖点</a:t>
             </a:r>
             <a:r>
-              <a:rPr lang="en-US" altLang="zh-CN" dirty="0"/>
+              <a:rPr lang="en-US" altLang="zh-CN" sz="1600" dirty="0"/>
               <a:t>2</a:t>
             </a:r>
             <a:r>
-              <a:rPr lang="zh-CN" altLang="en-US" dirty="0"/>
+              <a:rPr lang="zh-CN" altLang="en-US" sz="1600" dirty="0"/>
               <a:t>：</a:t>
             </a:r>
           </a:p>
@@ -4778,7 +4700,7 @@
         </p:nvSpPr>
         <p:spPr bwMode="auto">
           <a:xfrm>
-            <a:off x="4419049" y="5124532"/>
+            <a:off x="4384929" y="4933249"/>
             <a:ext cx="3576465" cy="576624"/>
           </a:xfrm>
           <a:prstGeom prst="rect">
@@ -4798,7 +4720,7 @@
               </a:lnSpc>
             </a:pPr>
             <a:r>
-              <a:rPr lang="zh-CN" altLang="en-US" b="1" dirty="0">
+              <a:rPr lang="zh-CN" altLang="en-US" sz="1600" b="1" dirty="0">
                 <a:solidFill/>
                 <a:latin typeface="JingDongLangZhengTi Semilight"/>
                 <a:ea typeface="宋体" panose="02010600030101010101" pitchFamily="2" charset="-122"/>
@@ -4807,7 +4729,7 @@
               <a:t>卖点</a:t>
             </a:r>
             <a:r>
-              <a:rPr lang="en-US" altLang="zh-CN" b="1" dirty="0">
+              <a:rPr lang="en-US" altLang="zh-CN" sz="1600" b="1" dirty="0">
                 <a:solidFill/>
                 <a:latin typeface="JingDongLangZhengTi Semilight"/>
                 <a:ea typeface="宋体" panose="02010600030101010101" pitchFamily="2" charset="-122"/>
@@ -5011,7 +4933,7 @@
         </p:blipFill>
         <p:spPr>
           <a:xfrm>
-            <a:off x="570760" y="2954151"/>
+            <a:off x="508350" y="2546455"/>
             <a:ext cx="3682303" cy="493819"/>
           </a:xfrm>
           <a:prstGeom prst="rect">
@@ -5071,7 +4993,7 @@
         </p:blipFill>
         <p:spPr>
           <a:xfrm>
-            <a:off x="4360545" y="3133352"/>
+            <a:off x="4263813" y="2435127"/>
             <a:ext cx="3627434" cy="821882"/>
           </a:xfrm>
           <a:prstGeom prst="rect">
@@ -5101,7 +5023,7 @@
         </p:blipFill>
         <p:spPr>
           <a:xfrm>
-            <a:off x="4385945" y="4660148"/>
+            <a:off x="4304495" y="4612120"/>
             <a:ext cx="3633531" cy="573074"/>
           </a:xfrm>
           <a:prstGeom prst="rect">

--- a/直播手卡模板.pptx
+++ b/直播手卡模板.pptx
@@ -200,7 +200,7 @@
           <a:p>
             <a:fld id="{C17944FE-0438-41E2-8D35-39AEC793BE2A}" type="datetimeFigureOut">
               <a:rPr lang="zh-CN" altLang="en-US" smtClean="0"/>
-              <a:t>2025/12/12</a:t>
+              <a:t>2025/12/13</a:t>
             </a:fld>
             <a:endParaRPr lang="zh-CN" altLang="en-US"/>
           </a:p>
@@ -684,7 +684,7 @@
           <a:p>
             <a:fld id="{760FBDFE-C587-4B4C-A407-44438C67B59E}" type="datetimeFigureOut">
               <a:rPr lang="zh-CN" altLang="en-US" smtClean="0"/>
-              <a:t>2025/12/12</a:t>
+              <a:t>2025/12/13</a:t>
             </a:fld>
             <a:endParaRPr lang="zh-CN" altLang="en-US"/>
           </a:p>
@@ -774,7 +774,7 @@
           <a:p>
             <a:fld id="{760FBDFE-C587-4B4C-A407-44438C67B59E}" type="datetimeFigureOut">
               <a:rPr lang="zh-CN" altLang="en-US" smtClean="0"/>
-              <a:t>2025/12/12</a:t>
+              <a:t>2025/12/13</a:t>
             </a:fld>
             <a:endParaRPr lang="zh-CN" altLang="en-US"/>
           </a:p>
@@ -920,7 +920,7 @@
           <a:p>
             <a:fld id="{760FBDFE-C587-4B4C-A407-44438C67B59E}" type="datetimeFigureOut">
               <a:rPr lang="zh-CN" altLang="en-US" smtClean="0"/>
-              <a:t>2025/12/12</a:t>
+              <a:t>2025/12/13</a:t>
             </a:fld>
             <a:endParaRPr lang="zh-CN" altLang="en-US"/>
           </a:p>
@@ -1170,7 +1170,7 @@
           <a:p>
             <a:fld id="{760FBDFE-C587-4B4C-A407-44438C67B59E}" type="datetimeFigureOut">
               <a:rPr lang="zh-CN" altLang="en-US" smtClean="0"/>
-              <a:t>2025/12/12</a:t>
+              <a:t>2025/12/13</a:t>
             </a:fld>
             <a:endParaRPr lang="zh-CN" altLang="en-US"/>
           </a:p>
@@ -1415,7 +1415,7 @@
           <a:p>
             <a:fld id="{760FBDFE-C587-4B4C-A407-44438C67B59E}" type="datetimeFigureOut">
               <a:rPr lang="zh-CN" altLang="en-US" smtClean="0"/>
-              <a:t>2025/12/12</a:t>
+              <a:t>2025/12/13</a:t>
             </a:fld>
             <a:endParaRPr lang="zh-CN" altLang="en-US"/>
           </a:p>
@@ -1651,7 +1651,7 @@
           <a:p>
             <a:fld id="{760FBDFE-C587-4B4C-A407-44438C67B59E}" type="datetimeFigureOut">
               <a:rPr lang="zh-CN" altLang="en-US" smtClean="0"/>
-              <a:t>2025/12/12</a:t>
+              <a:t>2025/12/13</a:t>
             </a:fld>
             <a:endParaRPr lang="zh-CN" altLang="en-US"/>
           </a:p>
@@ -2041,7 +2041,7 @@
           <a:p>
             <a:fld id="{760FBDFE-C587-4B4C-A407-44438C67B59E}" type="datetimeFigureOut">
               <a:rPr lang="zh-CN" altLang="en-US" smtClean="0"/>
-              <a:t>2025/12/12</a:t>
+              <a:t>2025/12/13</a:t>
             </a:fld>
             <a:endParaRPr lang="zh-CN" altLang="en-US"/>
           </a:p>
@@ -2161,7 +2161,7 @@
           <a:p>
             <a:fld id="{760FBDFE-C587-4B4C-A407-44438C67B59E}" type="datetimeFigureOut">
               <a:rPr lang="zh-CN" altLang="en-US" smtClean="0"/>
-              <a:t>2025/12/12</a:t>
+              <a:t>2025/12/13</a:t>
             </a:fld>
             <a:endParaRPr lang="zh-CN" altLang="en-US"/>
           </a:p>
@@ -2251,7 +2251,7 @@
           <a:p>
             <a:fld id="{760FBDFE-C587-4B4C-A407-44438C67B59E}" type="datetimeFigureOut">
               <a:rPr lang="zh-CN" altLang="en-US" smtClean="0"/>
-              <a:t>2025/12/12</a:t>
+              <a:t>2025/12/13</a:t>
             </a:fld>
             <a:endParaRPr lang="zh-CN" altLang="en-US"/>
           </a:p>
@@ -2408,7 +2408,7 @@
           <a:p>
             <a:fld id="{9EFD9D74-47D9-4702-A33C-335B63B48DBF}" type="datetimeFigureOut">
               <a:rPr lang="zh-CN" altLang="en-US" smtClean="0"/>
-              <a:t>2025/12/12</a:t>
+              <a:t>2025/12/13</a:t>
             </a:fld>
             <a:endParaRPr lang="zh-CN" altLang="en-US" dirty="0"/>
           </a:p>
@@ -2630,7 +2630,7 @@
           <a:p>
             <a:fld id="{760FBDFE-C587-4B4C-A407-44438C67B59E}" type="datetimeFigureOut">
               <a:rPr lang="zh-CN" altLang="en-US" smtClean="0"/>
-              <a:t>2025/12/12</a:t>
+              <a:t>2025/12/13</a:t>
             </a:fld>
             <a:endParaRPr lang="zh-CN" altLang="en-US"/>
           </a:p>
@@ -2838,7 +2838,7 @@
           <a:p>
             <a:fld id="{760FBDFE-C587-4B4C-A407-44438C67B59E}" type="datetimeFigureOut">
               <a:rPr lang="zh-CN" altLang="en-US" smtClean="0"/>
-              <a:t>2025/12/12</a:t>
+              <a:t>2025/12/13</a:t>
             </a:fld>
             <a:endParaRPr lang="zh-CN" altLang="en-US"/>
           </a:p>
@@ -4001,7 +4001,7 @@
         </p:nvSpPr>
         <p:spPr bwMode="auto">
           <a:xfrm>
-            <a:off x="7835324" y="1483428"/>
+            <a:off x="7870722" y="1544208"/>
             <a:ext cx="5460999" cy="446982"/>
           </a:xfrm>
           <a:prstGeom prst="rect">
